--- a/reports/NBA_Clustering_Presentation.pptx
+++ b/reports/NBA_Clustering_Presentation.pptx
@@ -295,6 +295,11 @@
       </a:defRPr>
     </a:lvl9pPr>
   </p:defaultTextStyle>
+  <p:extLst>
+    <p:ext uri="{EFAFB233-063F-42B5-8137-9DF3F51BA10A}">
+      <p15:sldGuideLst xmlns:p15="http://schemas.microsoft.com/office/powerpoint/2012/main"/>
+    </p:ext>
+  </p:extLst>
 </p:presentation>
 </file>
 
@@ -2845,7 +2850,7 @@
             </a:pPr>
             <a:r>
               <a:rPr lang="en-US" dirty="0"/>
-              <a:t>The goal of this project is to use unsupervised learning models to define new clusters to classify and group NBA players into. </a:t>
+              <a:t>The goal of this project is to use unsupervised learning models to define new clusters to group NBA players into. </a:t>
             </a:r>
           </a:p>
           <a:p>
@@ -19566,7 +19571,7 @@
             </a:pPr>
             <a:r>
               <a:rPr lang="en" dirty="0"/>
-              <a:t>Reclassifying NBA Players using </a:t>
+              <a:t>Defining NBA Player Archetypes using </a:t>
             </a:r>
             <a:r>
               <a:rPr lang="en" dirty="0">
@@ -21624,8 +21629,8 @@
         </p:nvSpPr>
         <p:spPr>
           <a:xfrm>
-            <a:off x="425785" y="421835"/>
-            <a:ext cx="4727700" cy="577800"/>
+            <a:off x="0" y="157137"/>
+            <a:ext cx="4727700" cy="1048786"/>
           </a:xfrm>
           <a:prstGeom prst="rect">
             <a:avLst/>
@@ -21637,7 +21642,7 @@
           </a:bodyPr>
           <a:lstStyle/>
           <a:p>
-            <a:pPr marL="0" lvl="0" indent="0" algn="l" rtl="0">
+            <a:pPr marL="0" lvl="0" indent="0" algn="ctr" rtl="0">
               <a:spcBef>
                 <a:spcPts val="0"/>
               </a:spcBef>
@@ -21648,9 +21653,24 @@
             </a:pPr>
             <a:r>
               <a:rPr lang="en" sz="3200" dirty="0"/>
-              <a:t>CLUSTERING ANALYSIS</a:t>
+              <a:t>CLUSTERING ANALYSIS:</a:t>
             </a:r>
-            <a:endParaRPr sz="3200" dirty="0"/>
+            <a:br>
+              <a:rPr lang="en" sz="3200" dirty="0"/>
+            </a:br>
+            <a:r>
+              <a:rPr lang="en" sz="3200" dirty="0">
+                <a:solidFill>
+                  <a:schemeClr val="tx1"/>
+                </a:solidFill>
+              </a:rPr>
+              <a:t>ARCHETYPES</a:t>
+            </a:r>
+            <a:endParaRPr sz="3200" dirty="0">
+              <a:solidFill>
+                <a:schemeClr val="tx1"/>
+              </a:solidFill>
+            </a:endParaRPr>
           </a:p>
         </p:txBody>
       </p:sp>
@@ -22063,7 +22083,7 @@
                 </a:uFill>
                 <a:hlinkClick r:id="rId3"/>
               </a:rPr>
-              <a:t>Through Agglomerative Hierarchal Clustering, I was able to classify players into five different tiers that had a blend of players from traditional positions. </a:t>
+              <a:t>Through Agglomerative Hierarchal Clustering, I was able to group players into five different archetypes that had a blend of players from traditional positions. </a:t>
             </a:r>
           </a:p>
           <a:p>
@@ -22119,7 +22139,7 @@
                 </a:uFill>
                 <a:hlinkClick r:id="rId3"/>
               </a:rPr>
-              <a:t>Tiers provide an efficient way for NBA fantasy team managers to shore up their teams by picking players based on their statistical category needs. </a:t>
+              <a:t>Archetypes provide an efficient way for NBA fantasy team managers to shore up their teams by picking players based on their statistical category needs. </a:t>
             </a:r>
           </a:p>
         </p:txBody>
@@ -22303,7 +22323,7 @@
                 </a:uFill>
                 <a:hlinkClick r:id="rId3"/>
               </a:rPr>
-              <a:t>This clustering model provide 5 clusters. In the future I want to classify players into even more clusters to see if there is a way to further differentiate players. </a:t>
+              <a:t>This clustering model provide 5 clusters. In the future I want to group players into even more clusters to see if there is a way to further differentiate players. </a:t>
             </a:r>
           </a:p>
           <a:p>
@@ -23857,7 +23877,7 @@
             </a:pPr>
             <a:r>
               <a:rPr lang="en-US" dirty="0"/>
-              <a:t>Need new way to group players into certain classifications beyond positioning</a:t>
+              <a:t>Need new way to group players into different archetypes beyond positioning</a:t>
             </a:r>
           </a:p>
           <a:p>
@@ -23892,7 +23912,7 @@
             </a:r>
             <a:r>
               <a:rPr lang="en-US" dirty="0"/>
-              <a:t>use unsupervised learning clustering to create tiers to classify NBA players that better represents how they contribute to the team on the court. </a:t>
+              <a:t>use unsupervised learning models to define NBA player archetypes that better represents how they contribute to the team on the court. </a:t>
             </a:r>
           </a:p>
         </p:txBody>
